--- a/reports/Daily Scrum/Bao_Cao_Tien_Do_Cong_Viec_19-05-2021.pptx
+++ b/reports/Daily Scrum/Bao_Cao_Tien_Do_Cong_Viec_19-05-2021.pptx
@@ -250,7 +250,7 @@
       <p15:sldGuideLst xmlns:p15="http://schemas.microsoft.com/office/powerpoint/2012/main"/>
     </p:ext>
     <p:ext uri="http://customooxmlschemas.google.com/">
-      <go:slidesCustomData xmlns="" xmlns:mc="http://schemas.openxmlformats.org/markup-compatibility/2006" xmlns:mv="urn:schemas-microsoft-com:mac:vml" xmlns:c="http://schemas.openxmlformats.org/drawingml/2006/chart" xmlns:dgm="http://schemas.openxmlformats.org/drawingml/2006/diagram" xmlns:o="urn:schemas-microsoft-com:office:office" xmlns:v="urn:schemas-microsoft-com:vml" xmlns:pvml="urn:schemas-microsoft-com:office:powerpoint" xmlns:com="http://schemas.openxmlformats.org/drawingml/2006/compatibility" xmlns:p14="http://schemas.microsoft.com/office/powerpoint/2010/main" xmlns:p15="http://schemas.microsoft.com/office/powerpoint/2012/main" xmlns:ahyp="http://schemas.microsoft.com/office/drawing/2018/hyperlinkcolor" xmlns:go="http://customooxmlschemas.google.com/" r:id="rId10" roundtripDataSignature="AMtx7mghNSnxQ9l0C20/qzc99mpsPxlxnQ=="/>
+      <go:slidesCustomData xmlns:go="http://customooxmlschemas.google.com/" xmlns:ahyp="http://schemas.microsoft.com/office/drawing/2018/hyperlinkcolor" xmlns:p15="http://schemas.microsoft.com/office/powerpoint/2012/main" xmlns:p14="http://schemas.microsoft.com/office/powerpoint/2010/main" xmlns:com="http://schemas.openxmlformats.org/drawingml/2006/compatibility" xmlns:pvml="urn:schemas-microsoft-com:office:powerpoint" xmlns:v="urn:schemas-microsoft-com:vml" xmlns:o="urn:schemas-microsoft-com:office:office" xmlns:dgm="http://schemas.openxmlformats.org/drawingml/2006/diagram" xmlns:c="http://schemas.openxmlformats.org/drawingml/2006/chart" xmlns:mv="urn:schemas-microsoft-com:mac:vml" xmlns:mc="http://schemas.openxmlformats.org/markup-compatibility/2006" xmlns="" r:id="rId10" roundtripDataSignature="AMtx7mghNSnxQ9l0C20/qzc99mpsPxlxnQ=="/>
     </p:ext>
   </p:extLst>
 </p:presentation>
@@ -28028,14 +28028,14 @@
           <p:nvPr>
             <p:extLst>
               <p:ext uri="{D42A27DB-BD31-4B8C-83A1-F6EECF244321}">
-                <p14:modId xmlns:p14="http://schemas.microsoft.com/office/powerpoint/2010/main" val="2945659516"/>
+                <p14:modId xmlns:p14="http://schemas.microsoft.com/office/powerpoint/2010/main" val="1568238968"/>
               </p:ext>
             </p:extLst>
           </p:nvPr>
         </p:nvGraphicFramePr>
         <p:xfrm>
           <a:off x="464916" y="1142044"/>
-          <a:ext cx="11262167" cy="4573849"/>
+          <a:ext cx="11262167" cy="4573786"/>
         </p:xfrm>
         <a:graphic>
           <a:graphicData uri="http://schemas.openxmlformats.org/drawingml/2006/table">
@@ -28052,14 +28052,14 @@
                     </a:ext>
                   </a:extLst>
                 </a:gridCol>
-                <a:gridCol w="5238923">
+                <a:gridCol w="5514786">
                   <a:extLst>
                     <a:ext uri="{9D8B030D-6E8A-4147-A177-3AD203B41FA5}">
                       <a16:colId xmlns:a16="http://schemas.microsoft.com/office/drawing/2014/main" val="20001"/>
                     </a:ext>
                   </a:extLst>
                 </a:gridCol>
-                <a:gridCol w="2419109">
+                <a:gridCol w="2143246">
                   <a:extLst>
                     <a:ext uri="{9D8B030D-6E8A-4147-A177-3AD203B41FA5}">
                       <a16:colId xmlns:a16="http://schemas.microsoft.com/office/drawing/2014/main" val="20002"/>
@@ -28276,6 +28276,21 @@
                         </a:rPr>
                         <a:t>Báo cáo trang admin hiện tại (sản phẩm, người dùng, hãng và chuyên mục, bình luận, đơn hàng)</a:t>
                       </a:r>
+                      <a:r>
+                        <a:rPr lang="en-US" sz="1600" b="0" i="0" u="none" strike="noStrike" cap="none">
+                          <a:solidFill>
+                            <a:srgbClr val="000000"/>
+                          </a:solidFill>
+                          <a:latin typeface="Arial"/>
+                          <a:ea typeface="Arial"/>
+                          <a:cs typeface="Arial"/>
+                          <a:sym typeface="Arial"/>
+                        </a:rPr>
+                        <a:t> ✔️</a:t>
+                      </a:r>
+                      <a:endParaRPr lang="en-US" sz="1600">
+                        <a:latin typeface="+mn-lt"/>
+                      </a:endParaRPr>
                     </a:p>
                     <a:p>
                       <a:pPr marL="342900" lvl="0" indent="-342900" algn="just" rtl="0">
@@ -28297,6 +28312,21 @@
                         </a:rPr>
                         <a:t>Phân tích chức năng và ghi vào</a:t>
                       </a:r>
+                      <a:r>
+                        <a:rPr lang="en-US" sz="1600" b="0" i="0" u="none" strike="noStrike" cap="none">
+                          <a:solidFill>
+                            <a:srgbClr val="000000"/>
+                          </a:solidFill>
+                          <a:latin typeface="Arial"/>
+                          <a:ea typeface="Arial"/>
+                          <a:cs typeface="Arial"/>
+                          <a:sym typeface="Arial"/>
+                        </a:rPr>
+                        <a:t>✔️</a:t>
+                      </a:r>
+                      <a:endParaRPr lang="en-US" sz="1600">
+                        <a:latin typeface="+mn-lt"/>
+                      </a:endParaRPr>
                     </a:p>
                   </a:txBody>
                   <a:tcPr marL="91425" marR="91425" marT="91425" marB="91425"/>
@@ -28352,7 +28382,7 @@
                         <a:rPr lang="en-US" sz="1600">
                           <a:latin typeface="+mn-lt"/>
                         </a:rPr>
-                        <a:t>0%</a:t>
+                        <a:t>100%</a:t>
                       </a:r>
                       <a:endParaRPr sz="1600">
                         <a:latin typeface="+mn-lt"/>

--- a/reports/Daily Scrum/Bao_Cao_Tien_Do_Cong_Viec_19-05-2021.pptx
+++ b/reports/Daily Scrum/Bao_Cao_Tien_Do_Cong_Viec_19-05-2021.pptx
@@ -250,7 +250,7 @@
       <p15:sldGuideLst xmlns:p15="http://schemas.microsoft.com/office/powerpoint/2012/main"/>
     </p:ext>
     <p:ext uri="http://customooxmlschemas.google.com/">
-      <go:slidesCustomData xmlns:go="http://customooxmlschemas.google.com/" xmlns:ahyp="http://schemas.microsoft.com/office/drawing/2018/hyperlinkcolor" xmlns:p15="http://schemas.microsoft.com/office/powerpoint/2012/main" xmlns:p14="http://schemas.microsoft.com/office/powerpoint/2010/main" xmlns:com="http://schemas.openxmlformats.org/drawingml/2006/compatibility" xmlns:pvml="urn:schemas-microsoft-com:office:powerpoint" xmlns:v="urn:schemas-microsoft-com:vml" xmlns:o="urn:schemas-microsoft-com:office:office" xmlns:dgm="http://schemas.openxmlformats.org/drawingml/2006/diagram" xmlns:c="http://schemas.openxmlformats.org/drawingml/2006/chart" xmlns:mv="urn:schemas-microsoft-com:mac:vml" xmlns:mc="http://schemas.openxmlformats.org/markup-compatibility/2006" xmlns="" r:id="rId10" roundtripDataSignature="AMtx7mghNSnxQ9l0C20/qzc99mpsPxlxnQ=="/>
+      <go:slidesCustomData xmlns="" xmlns:mc="http://schemas.openxmlformats.org/markup-compatibility/2006" xmlns:mv="urn:schemas-microsoft-com:mac:vml" xmlns:c="http://schemas.openxmlformats.org/drawingml/2006/chart" xmlns:dgm="http://schemas.openxmlformats.org/drawingml/2006/diagram" xmlns:o="urn:schemas-microsoft-com:office:office" xmlns:v="urn:schemas-microsoft-com:vml" xmlns:pvml="urn:schemas-microsoft-com:office:powerpoint" xmlns:com="http://schemas.openxmlformats.org/drawingml/2006/compatibility" xmlns:p14="http://schemas.microsoft.com/office/powerpoint/2010/main" xmlns:p15="http://schemas.microsoft.com/office/powerpoint/2012/main" xmlns:ahyp="http://schemas.microsoft.com/office/drawing/2018/hyperlinkcolor" xmlns:go="http://customooxmlschemas.google.com/" r:id="rId10" roundtripDataSignature="AMtx7mghNSnxQ9l0C20/qzc99mpsPxlxnQ=="/>
     </p:ext>
   </p:extLst>
 </p:presentation>
@@ -27317,7 +27317,7 @@
           <p:nvPr>
             <p:extLst>
               <p:ext uri="{D42A27DB-BD31-4B8C-83A1-F6EECF244321}">
-                <p14:modId xmlns:p14="http://schemas.microsoft.com/office/powerpoint/2010/main" val="2872556389"/>
+                <p14:modId xmlns:p14="http://schemas.microsoft.com/office/powerpoint/2010/main" val="180781296"/>
               </p:ext>
             </p:extLst>
           </p:nvPr>
@@ -27626,7 +27626,43 @@
                         <a:rPr lang="vi-VN" sz="1600">
                           <a:latin typeface="+mn-lt"/>
                         </a:rPr>
-                        <a:t>Thêm vào giỏ hang</a:t>
+                        <a:t>Thêm vào giỏ </a:t>
+                      </a:r>
+                      <a:r>
+                        <a:rPr lang="vi-VN" sz="1600" b="0" i="0" u="none" strike="noStrike" cap="none">
+                          <a:solidFill>
+                            <a:srgbClr val="000000"/>
+                          </a:solidFill>
+                          <a:latin typeface="Arial"/>
+                          <a:ea typeface="Arial"/>
+                          <a:cs typeface="Arial"/>
+                          <a:sym typeface="Arial"/>
+                        </a:rPr>
+                        <a:t>h</a:t>
+                      </a:r>
+                      <a:r>
+                        <a:rPr lang="en-US" sz="1600" b="0" i="0" u="none" strike="noStrike" cap="none">
+                          <a:solidFill>
+                            <a:srgbClr val="000000"/>
+                          </a:solidFill>
+                          <a:latin typeface="Arial"/>
+                          <a:ea typeface="Arial"/>
+                          <a:cs typeface="Arial"/>
+                          <a:sym typeface="Arial"/>
+                        </a:rPr>
+                        <a:t>à</a:t>
+                      </a:r>
+                      <a:r>
+                        <a:rPr lang="vi-VN" sz="1600" b="0" i="0" u="none" strike="noStrike" cap="none">
+                          <a:solidFill>
+                            <a:srgbClr val="000000"/>
+                          </a:solidFill>
+                          <a:latin typeface="Arial"/>
+                          <a:ea typeface="Arial"/>
+                          <a:cs typeface="Arial"/>
+                          <a:sym typeface="Arial"/>
+                        </a:rPr>
+                        <a:t>ng</a:t>
                       </a:r>
                       <a:r>
                         <a:rPr lang="en-US" sz="1600">
@@ -27668,7 +27704,43 @@
                         <a:rPr lang="vi-VN" sz="1600">
                           <a:latin typeface="+mn-lt"/>
                         </a:rPr>
-                        <a:t>Xem lại giỏ hang</a:t>
+                        <a:t>Xem lại giỏ </a:t>
+                      </a:r>
+                      <a:r>
+                        <a:rPr lang="vi-VN" sz="1600" b="0" i="0" u="none" strike="noStrike" cap="none">
+                          <a:solidFill>
+                            <a:srgbClr val="000000"/>
+                          </a:solidFill>
+                          <a:latin typeface="Arial"/>
+                          <a:ea typeface="Arial"/>
+                          <a:cs typeface="Arial"/>
+                          <a:sym typeface="Arial"/>
+                        </a:rPr>
+                        <a:t>h</a:t>
+                      </a:r>
+                      <a:r>
+                        <a:rPr lang="en-US" sz="1600" b="0" i="0" u="none" strike="noStrike" cap="none">
+                          <a:solidFill>
+                            <a:srgbClr val="000000"/>
+                          </a:solidFill>
+                          <a:latin typeface="Arial"/>
+                          <a:ea typeface="Arial"/>
+                          <a:cs typeface="Arial"/>
+                          <a:sym typeface="Arial"/>
+                        </a:rPr>
+                        <a:t>à</a:t>
+                      </a:r>
+                      <a:r>
+                        <a:rPr lang="vi-VN" sz="1600" b="0" i="0" u="none" strike="noStrike" cap="none">
+                          <a:solidFill>
+                            <a:srgbClr val="000000"/>
+                          </a:solidFill>
+                          <a:latin typeface="Arial"/>
+                          <a:ea typeface="Arial"/>
+                          <a:cs typeface="Arial"/>
+                          <a:sym typeface="Arial"/>
+                        </a:rPr>
+                        <a:t>ng</a:t>
                       </a:r>
                       <a:r>
                         <a:rPr lang="en-US" sz="1600">
@@ -28028,7 +28100,7 @@
           <p:nvPr>
             <p:extLst>
               <p:ext uri="{D42A27DB-BD31-4B8C-83A1-F6EECF244321}">
-                <p14:modId xmlns:p14="http://schemas.microsoft.com/office/powerpoint/2010/main" val="1568238968"/>
+                <p14:modId xmlns:p14="http://schemas.microsoft.com/office/powerpoint/2010/main" val="916708724"/>
               </p:ext>
             </p:extLst>
           </p:nvPr>
@@ -28286,7 +28358,7 @@
                           <a:cs typeface="Arial"/>
                           <a:sym typeface="Arial"/>
                         </a:rPr>
-                        <a:t> ✔️</a:t>
+                        <a:t> </a:t>
                       </a:r>
                       <a:endParaRPr lang="en-US" sz="1600">
                         <a:latin typeface="+mn-lt"/>
@@ -28382,7 +28454,7 @@
                         <a:rPr lang="en-US" sz="1600">
                           <a:latin typeface="+mn-lt"/>
                         </a:rPr>
-                        <a:t>100%</a:t>
+                        <a:t>90%</a:t>
                       </a:r>
                       <a:endParaRPr sz="1600">
                         <a:latin typeface="+mn-lt"/>

--- a/reports/Daily Scrum/Bao_Cao_Tien_Do_Cong_Viec_19-05-2021.pptx
+++ b/reports/Daily Scrum/Bao_Cao_Tien_Do_Cong_Viec_19-05-2021.pptx
@@ -250,7 +250,7 @@
       <p15:sldGuideLst xmlns:p15="http://schemas.microsoft.com/office/powerpoint/2012/main"/>
     </p:ext>
     <p:ext uri="http://customooxmlschemas.google.com/">
-      <go:slidesCustomData xmlns="" xmlns:mc="http://schemas.openxmlformats.org/markup-compatibility/2006" xmlns:mv="urn:schemas-microsoft-com:mac:vml" xmlns:c="http://schemas.openxmlformats.org/drawingml/2006/chart" xmlns:dgm="http://schemas.openxmlformats.org/drawingml/2006/diagram" xmlns:o="urn:schemas-microsoft-com:office:office" xmlns:v="urn:schemas-microsoft-com:vml" xmlns:pvml="urn:schemas-microsoft-com:office:powerpoint" xmlns:com="http://schemas.openxmlformats.org/drawingml/2006/compatibility" xmlns:p14="http://schemas.microsoft.com/office/powerpoint/2010/main" xmlns:p15="http://schemas.microsoft.com/office/powerpoint/2012/main" xmlns:ahyp="http://schemas.microsoft.com/office/drawing/2018/hyperlinkcolor" xmlns:go="http://customooxmlschemas.google.com/" r:id="rId10" roundtripDataSignature="AMtx7mghNSnxQ9l0C20/qzc99mpsPxlxnQ=="/>
+      <go:slidesCustomData xmlns:go="http://customooxmlschemas.google.com/" xmlns:ahyp="http://schemas.microsoft.com/office/drawing/2018/hyperlinkcolor" xmlns:p15="http://schemas.microsoft.com/office/powerpoint/2012/main" xmlns:p14="http://schemas.microsoft.com/office/powerpoint/2010/main" xmlns:com="http://schemas.openxmlformats.org/drawingml/2006/compatibility" xmlns:pvml="urn:schemas-microsoft-com:office:powerpoint" xmlns:v="urn:schemas-microsoft-com:vml" xmlns:o="urn:schemas-microsoft-com:office:office" xmlns:dgm="http://schemas.openxmlformats.org/drawingml/2006/diagram" xmlns:c="http://schemas.openxmlformats.org/drawingml/2006/chart" xmlns:mv="urn:schemas-microsoft-com:mac:vml" xmlns:mc="http://schemas.openxmlformats.org/markup-compatibility/2006" xmlns="" r:id="rId10" roundtripDataSignature="AMtx7mghNSnxQ9l0C20/qzc99mpsPxlxnQ=="/>
     </p:ext>
   </p:extLst>
 </p:presentation>
@@ -27317,7 +27317,7 @@
           <p:nvPr>
             <p:extLst>
               <p:ext uri="{D42A27DB-BD31-4B8C-83A1-F6EECF244321}">
-                <p14:modId xmlns:p14="http://schemas.microsoft.com/office/powerpoint/2010/main" val="180781296"/>
+                <p14:modId xmlns:p14="http://schemas.microsoft.com/office/powerpoint/2010/main" val="2225334964"/>
               </p:ext>
             </p:extLst>
           </p:nvPr>
@@ -27566,7 +27566,19 @@
                         <a:rPr lang="en-US" sz="1600">
                           <a:latin typeface="+mn-lt"/>
                         </a:rPr>
-                        <a:t>)</a:t>
+                        <a:t>) </a:t>
+                      </a:r>
+                      <a:r>
+                        <a:rPr lang="en-US" sz="1600" b="0" i="0" u="none" strike="noStrike" cap="none">
+                          <a:solidFill>
+                            <a:srgbClr val="000000"/>
+                          </a:solidFill>
+                          <a:latin typeface="Arial"/>
+                          <a:ea typeface="Arial"/>
+                          <a:cs typeface="Arial"/>
+                          <a:sym typeface="Arial"/>
+                        </a:rPr>
+                        <a:t>✔️</a:t>
                       </a:r>
                       <a:endParaRPr lang="vi-VN" sz="1600">
                         <a:latin typeface="+mn-lt"/>
@@ -27596,13 +27608,31 @@
                         <a:rPr lang="en-US" sz="1600">
                           <a:latin typeface="+mn-lt"/>
                         </a:rPr>
-                        <a:t>à</a:t>
+                        <a:t>a</a:t>
                       </a:r>
                       <a:r>
                         <a:rPr lang="vi-VN" sz="1600">
                           <a:latin typeface="+mn-lt"/>
                         </a:rPr>
                         <a:t>ng</a:t>
+                      </a:r>
+                      <a:r>
+                        <a:rPr lang="en-US" sz="1600">
+                          <a:latin typeface="+mn-lt"/>
+                        </a:rPr>
+                        <a:t> </a:t>
+                      </a:r>
+                      <a:r>
+                        <a:rPr lang="en-US" sz="1600" b="0" i="0" u="none" strike="noStrike" cap="none">
+                          <a:solidFill>
+                            <a:srgbClr val="000000"/>
+                          </a:solidFill>
+                          <a:latin typeface="Arial"/>
+                          <a:ea typeface="Arial"/>
+                          <a:cs typeface="Arial"/>
+                          <a:sym typeface="Arial"/>
+                        </a:rPr>
+                        <a:t>✔️</a:t>
                       </a:r>
                       <a:endParaRPr lang="en-US" sz="1600">
                         <a:latin typeface="+mn-lt"/>
@@ -27885,7 +27915,7 @@
                     <a:p>
                       <a:r>
                         <a:rPr lang="en-US"/>
-                        <a:t>66%</a:t>
+                        <a:t>100%</a:t>
                       </a:r>
                     </a:p>
                   </a:txBody>
@@ -27979,8 +28009,29 @@
                           <a:cs typeface="Times New Roman"/>
                           <a:sym typeface="Times New Roman"/>
                         </a:rPr>
-                        <a:t>Phân trang cho bình luận</a:t>
+                        <a:t>Phân trang cho bình luận </a:t>
                       </a:r>
+                      <a:r>
+                        <a:rPr lang="en-US" sz="1600" b="0" i="0" u="none" strike="noStrike" cap="none">
+                          <a:solidFill>
+                            <a:srgbClr val="000000"/>
+                          </a:solidFill>
+                          <a:latin typeface="Arial"/>
+                          <a:ea typeface="Arial"/>
+                          <a:cs typeface="Arial"/>
+                          <a:sym typeface="Arial"/>
+                        </a:rPr>
+                        <a:t>✔️</a:t>
+                      </a:r>
+                      <a:endParaRPr lang="en-US" sz="1600">
+                        <a:solidFill>
+                          <a:schemeClr val="dk1"/>
+                        </a:solidFill>
+                        <a:latin typeface="+mn-lt"/>
+                        <a:ea typeface="Times New Roman"/>
+                        <a:cs typeface="Times New Roman"/>
+                        <a:sym typeface="Times New Roman"/>
+                      </a:endParaRPr>
                     </a:p>
                     <a:p>
                       <a:pPr marL="342900" lvl="0" indent="-342900" algn="just" rtl="0">
@@ -28006,8 +28057,29 @@
                           <a:cs typeface="Times New Roman"/>
                           <a:sym typeface="Times New Roman"/>
                         </a:rPr>
-                        <a:t>Thêm bình luận và đánh giá sản phẩm</a:t>
+                        <a:t>Thêm bình luận và đánh giá sản phẩm </a:t>
                       </a:r>
+                      <a:r>
+                        <a:rPr lang="en-US" sz="1600" b="0" i="0" u="none" strike="noStrike" cap="none">
+                          <a:solidFill>
+                            <a:srgbClr val="000000"/>
+                          </a:solidFill>
+                          <a:latin typeface="Arial"/>
+                          <a:ea typeface="Arial"/>
+                          <a:cs typeface="Arial"/>
+                          <a:sym typeface="Arial"/>
+                        </a:rPr>
+                        <a:t>✔️</a:t>
+                      </a:r>
+                      <a:endParaRPr lang="en-US" sz="1600">
+                        <a:solidFill>
+                          <a:schemeClr val="dk1"/>
+                        </a:solidFill>
+                        <a:latin typeface="+mn-lt"/>
+                        <a:ea typeface="Times New Roman"/>
+                        <a:cs typeface="Times New Roman"/>
+                        <a:sym typeface="Times New Roman"/>
+                      </a:endParaRPr>
                     </a:p>
                   </a:txBody>
                   <a:tcPr marL="91425" marR="91425" marT="91425" marB="91425"/>
@@ -28046,7 +28118,7 @@
                     <a:p>
                       <a:r>
                         <a:rPr lang="en-US"/>
-                        <a:t>0%</a:t>
+                        <a:t>100%</a:t>
                       </a:r>
                     </a:p>
                   </a:txBody>
@@ -28100,14 +28172,14 @@
           <p:nvPr>
             <p:extLst>
               <p:ext uri="{D42A27DB-BD31-4B8C-83A1-F6EECF244321}">
-                <p14:modId xmlns:p14="http://schemas.microsoft.com/office/powerpoint/2010/main" val="916708724"/>
+                <p14:modId xmlns:p14="http://schemas.microsoft.com/office/powerpoint/2010/main" val="3840613743"/>
               </p:ext>
             </p:extLst>
           </p:nvPr>
         </p:nvGraphicFramePr>
         <p:xfrm>
           <a:off x="464916" y="1142044"/>
-          <a:ext cx="11262167" cy="4573786"/>
+          <a:ext cx="11262167" cy="4573723"/>
         </p:xfrm>
         <a:graphic>
           <a:graphicData uri="http://schemas.openxmlformats.org/drawingml/2006/table">
@@ -28358,7 +28430,7 @@
                           <a:cs typeface="Arial"/>
                           <a:sym typeface="Arial"/>
                         </a:rPr>
-                        <a:t> </a:t>
+                        <a:t> ✔️</a:t>
                       </a:r>
                       <a:endParaRPr lang="en-US" sz="1600">
                         <a:latin typeface="+mn-lt"/>
@@ -28454,7 +28526,7 @@
                         <a:rPr lang="en-US" sz="1600">
                           <a:latin typeface="+mn-lt"/>
                         </a:rPr>
-                        <a:t>90%</a:t>
+                        <a:t>100%</a:t>
                       </a:r>
                       <a:endParaRPr sz="1600">
                         <a:latin typeface="+mn-lt"/>
@@ -28566,7 +28638,7 @@
                           <a:cs typeface="Times New Roman"/>
                           <a:sym typeface="Times New Roman"/>
                         </a:rPr>
-                        <a:t>ù</a:t>
+                        <a:t>u</a:t>
                       </a:r>
                       <a:r>
                         <a:rPr lang="vi-VN" sz="1600">
@@ -28580,6 +28652,39 @@
                         </a:rPr>
                         <a:t>ng</a:t>
                       </a:r>
+                      <a:r>
+                        <a:rPr lang="en-US" sz="1600">
+                          <a:solidFill>
+                            <a:schemeClr val="dk1"/>
+                          </a:solidFill>
+                          <a:latin typeface="+mn-lt"/>
+                          <a:ea typeface="Times New Roman"/>
+                          <a:cs typeface="Times New Roman"/>
+                          <a:sym typeface="Times New Roman"/>
+                        </a:rPr>
+                        <a:t> </a:t>
+                      </a:r>
+                      <a:r>
+                        <a:rPr lang="en-US" sz="1600" b="0" i="0" u="none" strike="noStrike" cap="none">
+                          <a:solidFill>
+                            <a:srgbClr val="000000"/>
+                          </a:solidFill>
+                          <a:latin typeface="Arial"/>
+                          <a:ea typeface="Arial"/>
+                          <a:cs typeface="Arial"/>
+                          <a:sym typeface="Arial"/>
+                        </a:rPr>
+                        <a:t>✔️</a:t>
+                      </a:r>
+                      <a:endParaRPr lang="vi-VN" sz="1600">
+                        <a:solidFill>
+                          <a:schemeClr val="dk1"/>
+                        </a:solidFill>
+                        <a:latin typeface="+mn-lt"/>
+                        <a:ea typeface="Times New Roman"/>
+                        <a:cs typeface="Times New Roman"/>
+                        <a:sym typeface="Times New Roman"/>
+                      </a:endParaRPr>
                     </a:p>
                     <a:p>
                       <a:pPr marL="342900" lvl="0" indent="-342900" algn="just" rtl="0">
@@ -28695,7 +28800,7 @@
                         <a:rPr lang="en-US" sz="1600">
                           <a:latin typeface="+mn-lt"/>
                         </a:rPr>
-                        <a:t>50%</a:t>
+                        <a:t>100%</a:t>
                       </a:r>
                       <a:endParaRPr sz="1600">
                         <a:latin typeface="+mn-lt"/>
@@ -28768,25 +28873,7 @@
                         <a:rPr lang="en-US" sz="1600">
                           <a:latin typeface="+mn-lt"/>
                         </a:rPr>
-                        <a:t> (trang admin </a:t>
-                      </a:r>
-                      <a:r>
-                        <a:rPr lang="en-US" sz="1600" b="0" i="0" u="none" strike="noStrike" cap="none">
-                          <a:solidFill>
-                            <a:srgbClr val="000000"/>
-                          </a:solidFill>
-                          <a:latin typeface="Arial"/>
-                          <a:ea typeface="Arial"/>
-                          <a:cs typeface="Arial"/>
-                          <a:sym typeface="Arial"/>
-                        </a:rPr>
-                        <a:t>✔️</a:t>
-                      </a:r>
-                      <a:r>
-                        <a:rPr lang="en-US" sz="1600">
-                          <a:latin typeface="+mn-lt"/>
-                        </a:rPr>
-                        <a:t> và người dùng)</a:t>
+                        <a:t> (trang admin và người dùng)</a:t>
                       </a:r>
                       <a:r>
                         <a:rPr lang="vi-VN" sz="1600">
@@ -28815,6 +28902,27 @@
                         </a:rPr>
                         <a:t>Phân trang hiển thị sản phẩm</a:t>
                       </a:r>
+                      <a:r>
+                        <a:rPr lang="en-US" sz="1600">
+                          <a:latin typeface="+mn-lt"/>
+                        </a:rPr>
+                        <a:t> </a:t>
+                      </a:r>
+                      <a:r>
+                        <a:rPr lang="en-US" sz="1600" b="0" i="0" u="none" strike="noStrike" cap="none">
+                          <a:solidFill>
+                            <a:srgbClr val="000000"/>
+                          </a:solidFill>
+                          <a:latin typeface="Arial"/>
+                          <a:ea typeface="Arial"/>
+                          <a:cs typeface="Arial"/>
+                          <a:sym typeface="Arial"/>
+                        </a:rPr>
+                        <a:t>✔️</a:t>
+                      </a:r>
+                      <a:endParaRPr lang="vi-VN" sz="1600">
+                        <a:latin typeface="+mn-lt"/>
+                      </a:endParaRPr>
                     </a:p>
                     <a:p>
                       <a:pPr marL="342900" lvl="0" indent="-342900" algn="l" rtl="0">
@@ -28836,6 +28944,27 @@
                         </a:rPr>
                         <a:t>Tìm kiếm sản phẩm</a:t>
                       </a:r>
+                      <a:r>
+                        <a:rPr lang="en-US" sz="1600">
+                          <a:latin typeface="+mn-lt"/>
+                        </a:rPr>
+                        <a:t> </a:t>
+                      </a:r>
+                      <a:r>
+                        <a:rPr lang="en-US" sz="1600" b="0" i="0" u="none" strike="noStrike" cap="none">
+                          <a:solidFill>
+                            <a:srgbClr val="000000"/>
+                          </a:solidFill>
+                          <a:latin typeface="Arial"/>
+                          <a:ea typeface="Arial"/>
+                          <a:cs typeface="Arial"/>
+                          <a:sym typeface="Arial"/>
+                        </a:rPr>
+                        <a:t>✔️</a:t>
+                      </a:r>
+                      <a:endParaRPr lang="vi-VN" sz="1600">
+                        <a:latin typeface="+mn-lt"/>
+                      </a:endParaRPr>
                     </a:p>
                   </a:txBody>
                   <a:tcPr marL="91425" marR="91425" marT="91425" marB="91425"/>
@@ -28891,7 +29020,7 @@
                         <a:rPr lang="en-US" sz="1600">
                           <a:latin typeface="+mn-lt"/>
                         </a:rPr>
-                        <a:t>50%</a:t>
+                        <a:t>100%</a:t>
                       </a:r>
                       <a:endParaRPr sz="1600">
                         <a:latin typeface="+mn-lt"/>
